--- a/presentations/ISDP_template.pptx
+++ b/presentations/ISDP_template.pptx
@@ -9596,30 +9596,12 @@
           <a:prstGeom prst="rect">
             <a:avLst/>
           </a:prstGeom>
-          <a:gradFill flip="none" rotWithShape="1">
-            <a:gsLst>
-              <a:gs pos="0">
-                <a:srgbClr val="9A0000">
-                  <a:tint val="66000"/>
-                  <a:satMod val="160000"/>
-                </a:srgbClr>
-              </a:gs>
-              <a:gs pos="50000">
-                <a:srgbClr val="9A0000">
-                  <a:tint val="44500"/>
-                  <a:satMod val="160000"/>
-                </a:srgbClr>
-              </a:gs>
-              <a:gs pos="100000">
-                <a:srgbClr val="9A0000">
-                  <a:tint val="23500"/>
-                  <a:satMod val="160000"/>
-                </a:srgbClr>
-              </a:gs>
-            </a:gsLst>
-            <a:lin ang="2700000" scaled="1"/>
-            <a:tileRect/>
-          </a:gradFill>
+          <a:solidFill>
+            <a:schemeClr val="accent6">
+              <a:lumMod val="40000"/>
+              <a:lumOff val="60000"/>
+            </a:schemeClr>
+          </a:solidFill>
           <a:ln w="12700" cap="flat" cmpd="sng">
             <a:noFill/>
             <a:prstDash val="solid"/>
@@ -9665,7 +9647,9 @@
             <a:avLst/>
           </a:prstGeom>
           <a:solidFill>
-            <a:srgbClr val="9A0000"/>
+            <a:schemeClr val="accent6">
+              <a:lumMod val="50000"/>
+            </a:schemeClr>
           </a:solidFill>
           <a:ln w="12700" cap="flat" cmpd="sng">
             <a:noFill/>
@@ -9692,26 +9676,11 @@
                 <a:cs typeface="Arial" panose="020B0604020202020204" pitchFamily="34" charset="0"/>
                 <a:sym typeface="Helvetica Neue"/>
               </a:rPr>
-              <a:t>Age-Specific Effects of Music Encoding on Reward and </a:t>
+              <a:t>Early Life Adversity Reveals Adaptive Use of Absorption in Music </a:t>
             </a:r>
           </a:p>
           <a:p>
             <a:pPr algn="ctr"/>
-            <a:r>
-              <a:rPr lang="en-US" sz="7200" b="0" i="0" u="none" strike="noStrike" cap="none" dirty="0">
-                <a:solidFill>
-                  <a:schemeClr val="lt1"/>
-                </a:solidFill>
-                <a:latin typeface="Arial" panose="020B0604020202020204" pitchFamily="34" charset="0"/>
-                <a:ea typeface="Helvetica Neue"/>
-                <a:cs typeface="Arial" panose="020B0604020202020204" pitchFamily="34" charset="0"/>
-                <a:sym typeface="Helvetica Neue"/>
-              </a:rPr>
-              <a:t>Memory Systems in Healthy and Cognitively Impaired Aging</a:t>
-            </a:r>
-          </a:p>
-          <a:p>
-            <a:pPr lvl="0" algn="ctr"/>
             <a:r>
               <a:rPr lang="en-US" sz="4800" b="0" i="0" u="none" strike="noStrike" cap="none" dirty="0">
                 <a:solidFill>
@@ -9746,7 +9715,7 @@
                 <a:cs typeface="Arial" panose="020B0604020202020204" pitchFamily="34" charset="0"/>
                 <a:sym typeface="Helvetica Neue"/>
               </a:rPr>
-              <a:t>, Laurel </a:t>
+              <a:t>, Kelsie L. Lopez, Psyche Loui,  Laurel </a:t>
             </a:r>
             <a:r>
               <a:rPr lang="en-US" sz="4800" b="0" i="0" u="none" strike="noStrike" cap="none" dirty="0" err="1">
@@ -9759,18 +9728,6 @@
                 <a:sym typeface="Helvetica Neue"/>
               </a:rPr>
               <a:t>Gabard-Durnam</a:t>
-            </a:r>
-            <a:r>
-              <a:rPr lang="en-US" sz="4800" b="0" i="0" u="none" strike="noStrike" cap="none" dirty="0">
-                <a:solidFill>
-                  <a:schemeClr val="lt1"/>
-                </a:solidFill>
-                <a:latin typeface="Arial" panose="020B0604020202020204" pitchFamily="34" charset="0"/>
-                <a:ea typeface="Helvetica Neue"/>
-                <a:cs typeface="Arial" panose="020B0604020202020204" pitchFamily="34" charset="0"/>
-                <a:sym typeface="Helvetica Neue"/>
-              </a:rPr>
-              <a:t>, Psyche Loui  </a:t>
             </a:r>
             <a:endParaRPr lang="en-US" sz="1200" dirty="0">
               <a:latin typeface="Arial" panose="020B0604020202020204" pitchFamily="34" charset="0"/>
@@ -10119,7 +10076,7 @@
         </p:blipFill>
         <p:spPr>
           <a:xfrm>
-            <a:off x="1291511" y="1286064"/>
+            <a:off x="1180578" y="1177446"/>
             <a:ext cx="3314379" cy="3072487"/>
           </a:xfrm>
           <a:prstGeom prst="rect">
@@ -10146,7 +10103,9 @@
             <a:avLst/>
           </a:prstGeom>
           <a:solidFill>
-            <a:srgbClr val="9A0000"/>
+            <a:schemeClr val="accent6">
+              <a:lumMod val="50000"/>
+            </a:schemeClr>
           </a:solidFill>
           <a:ln w="12700" cap="flat" cmpd="sng">
             <a:noFill/>
@@ -10205,7 +10164,9 @@
             <a:avLst/>
           </a:prstGeom>
           <a:solidFill>
-            <a:srgbClr val="9A0000"/>
+            <a:schemeClr val="accent6">
+              <a:lumMod val="50000"/>
+            </a:schemeClr>
           </a:solidFill>
           <a:ln w="12700" cap="flat" cmpd="sng">
             <a:noFill/>
@@ -10264,7 +10225,9 @@
             <a:avLst/>
           </a:prstGeom>
           <a:solidFill>
-            <a:srgbClr val="9A0000"/>
+            <a:schemeClr val="accent6">
+              <a:lumMod val="50000"/>
+            </a:schemeClr>
           </a:solidFill>
           <a:ln w="12700" cap="flat" cmpd="sng">
             <a:noFill/>
@@ -10323,7 +10286,9 @@
             <a:avLst/>
           </a:prstGeom>
           <a:solidFill>
-            <a:srgbClr val="9A0000"/>
+            <a:schemeClr val="accent6">
+              <a:lumMod val="50000"/>
+            </a:schemeClr>
           </a:solidFill>
           <a:ln w="12700" cap="flat" cmpd="sng">
             <a:noFill/>
@@ -10349,7 +10314,7 @@
               <a:buNone/>
             </a:pPr>
             <a:r>
-              <a:rPr lang="en-US" sz="5200" b="1" dirty="0">
+              <a:rPr lang="en-US" sz="5200" b="1">
                 <a:solidFill>
                   <a:schemeClr val="lt1"/>
                 </a:solidFill>
@@ -10358,7 +10323,7 @@
                 <a:cs typeface="Arial" panose="020B0604020202020204" pitchFamily="34" charset="0"/>
                 <a:sym typeface="Helvetica Neue"/>
               </a:rPr>
-              <a:t>Univariate Main Effect of Age of Exposure</a:t>
+              <a:t>Study 1 Results</a:t>
             </a:r>
             <a:endParaRPr sz="5200" dirty="0">
               <a:latin typeface="Arial" panose="020B0604020202020204" pitchFamily="34" charset="0"/>
@@ -10437,7 +10402,9 @@
             <a:avLst/>
           </a:prstGeom>
           <a:solidFill>
-            <a:srgbClr val="9A0000"/>
+            <a:schemeClr val="accent6">
+              <a:lumMod val="50000"/>
+            </a:schemeClr>
           </a:solidFill>
           <a:ln w="12700" cap="flat" cmpd="sng">
             <a:noFill/>
@@ -10502,7 +10469,9 @@
             <a:avLst/>
           </a:prstGeom>
           <a:solidFill>
-            <a:srgbClr val="9A0000"/>
+            <a:schemeClr val="accent6">
+              <a:lumMod val="50000"/>
+            </a:schemeClr>
           </a:solidFill>
           <a:ln w="12700" cap="flat" cmpd="sng">
             <a:noFill/>
@@ -10537,7 +10506,7 @@
                 <a:cs typeface="Arial" panose="020B0604020202020204" pitchFamily="34" charset="0"/>
                 <a:sym typeface="Helvetica Neue"/>
               </a:rPr>
-              <a:t>Methods</a:t>
+              <a:t>Study 1 Methods</a:t>
             </a:r>
             <a:endParaRPr sz="5200" dirty="0">
               <a:latin typeface="Arial" panose="020B0604020202020204" pitchFamily="34" charset="0"/>
@@ -10567,7 +10536,9 @@
             <a:avLst/>
           </a:prstGeom>
           <a:solidFill>
-            <a:srgbClr val="9A0000"/>
+            <a:schemeClr val="accent6">
+              <a:lumMod val="50000"/>
+            </a:schemeClr>
           </a:solidFill>
           <a:ln w="12700" cap="flat" cmpd="sng">
             <a:noFill/>
@@ -10649,7 +10620,7 @@
         </p:blipFill>
         <p:spPr>
           <a:xfrm>
-            <a:off x="38240537" y="1075491"/>
+            <a:off x="34986590" y="860157"/>
             <a:ext cx="4409653" cy="3498394"/>
           </a:xfrm>
           <a:prstGeom prst="rect">
@@ -10888,7 +10859,9 @@
             <a:avLst/>
           </a:prstGeom>
           <a:solidFill>
-            <a:srgbClr val="9A0000"/>
+            <a:schemeClr val="accent6">
+              <a:lumMod val="50000"/>
+            </a:schemeClr>
           </a:solidFill>
           <a:ln w="12700" cap="flat" cmpd="sng">
             <a:noFill/>
@@ -10904,15 +10877,7 @@
           </a:bodyPr>
           <a:lstStyle/>
           <a:p>
-            <a:pPr marL="0" marR="0" lvl="0" indent="0" algn="ctr" rtl="0">
-              <a:spcBef>
-                <a:spcPts val="0"/>
-              </a:spcBef>
-              <a:spcAft>
-                <a:spcPts val="0"/>
-              </a:spcAft>
-              <a:buNone/>
-            </a:pPr>
+            <a:pPr lvl="0" algn="ctr"/>
             <a:r>
               <a:rPr lang="en-US" sz="5200" b="1" dirty="0">
                 <a:solidFill>
@@ -10923,7 +10888,7 @@
                 <a:cs typeface="Arial" panose="020B0604020202020204" pitchFamily="34" charset="0"/>
                 <a:sym typeface="Helvetica Neue"/>
               </a:rPr>
-              <a:t>Data Acquisition &amp; Regions of Interest</a:t>
+              <a:t>Study 1 Results</a:t>
             </a:r>
             <a:endParaRPr lang="en-US" sz="5200" dirty="0">
               <a:latin typeface="Arial" panose="020B0604020202020204" pitchFamily="34" charset="0"/>
@@ -10953,7 +10918,9 @@
             <a:avLst/>
           </a:prstGeom>
           <a:solidFill>
-            <a:srgbClr val="9A0000"/>
+            <a:schemeClr val="accent6">
+              <a:lumMod val="50000"/>
+            </a:schemeClr>
           </a:solidFill>
           <a:ln w="12700" cap="flat" cmpd="sng">
             <a:noFill/>
@@ -11072,6 +11039,36 @@
           <a:xfrm>
             <a:off x="43083031" y="37751681"/>
             <a:ext cx="653118" cy="653118"/>
+          </a:xfrm>
+          <a:prstGeom prst="rect">
+            <a:avLst/>
+          </a:prstGeom>
+        </p:spPr>
+      </p:pic>
+      <p:pic>
+        <p:nvPicPr>
+          <p:cNvPr id="5" name="Picture 4" descr="A picture containing text, graphics, graphic design, clipart&#10;&#10;Description automatically generated">
+            <a:extLst>
+              <a:ext uri="{FF2B5EF4-FFF2-40B4-BE49-F238E27FC236}">
+                <a16:creationId xmlns:a16="http://schemas.microsoft.com/office/drawing/2014/main" id="{3A736DFC-B350-F4C2-6844-E25222E01CC8}"/>
+              </a:ext>
+            </a:extLst>
+          </p:cNvPr>
+          <p:cNvPicPr>
+            <a:picLocks noChangeAspect="1"/>
+          </p:cNvPicPr>
+          <p:nvPr/>
+        </p:nvPicPr>
+        <p:blipFill>
+          <a:blip r:embed="rId10"/>
+          <a:stretch>
+            <a:fillRect/>
+          </a:stretch>
+        </p:blipFill>
+        <p:spPr>
+          <a:xfrm>
+            <a:off x="38692799" y="501351"/>
+            <a:ext cx="4289198" cy="4289198"/>
           </a:xfrm>
           <a:prstGeom prst="rect">
             <a:avLst/>

--- a/presentations/ISDP_template.pptx
+++ b/presentations/ISDP_template.pptx
@@ -262,7 +262,7 @@
       <p15:sldGuideLst xmlns:p15="http://schemas.microsoft.com/office/powerpoint/2012/main"/>
     </p:ext>
     <p:ext uri="http://customooxmlschemas.google.com/">
-      <go:slidesCustomData xmlns="" xmlns:mc="http://schemas.openxmlformats.org/markup-compatibility/2006" xmlns:mv="urn:schemas-microsoft-com:mac:vml" xmlns:c="http://schemas.openxmlformats.org/drawingml/2006/chart" xmlns:dgm="http://schemas.openxmlformats.org/drawingml/2006/diagram" xmlns:o="urn:schemas-microsoft-com:office:office" xmlns:v="urn:schemas-microsoft-com:vml" xmlns:pvml="urn:schemas-microsoft-com:office:powerpoint" xmlns:com="http://schemas.openxmlformats.org/drawingml/2006/compatibility" xmlns:p14="http://schemas.microsoft.com/office/powerpoint/2010/main" xmlns:p15="http://schemas.microsoft.com/office/powerpoint/2012/main" xmlns:ahyp="http://schemas.microsoft.com/office/drawing/2018/hyperlinkcolor" xmlns:go="http://customooxmlschemas.google.com/" r:id="rId12" roundtripDataSignature="AMtx7mgUZ/EanI988gELEzf8evnhnh3MyA=="/>
+      <go:slidesCustomData xmlns:go="http://customooxmlschemas.google.com/" xmlns:ahyp="http://schemas.microsoft.com/office/drawing/2018/hyperlinkcolor" xmlns:p15="http://schemas.microsoft.com/office/powerpoint/2012/main" xmlns:p14="http://schemas.microsoft.com/office/powerpoint/2010/main" xmlns:com="http://schemas.openxmlformats.org/drawingml/2006/compatibility" xmlns:pvml="urn:schemas-microsoft-com:office:powerpoint" xmlns:v="urn:schemas-microsoft-com:vml" xmlns:o="urn:schemas-microsoft-com:office:office" xmlns:dgm="http://schemas.openxmlformats.org/drawingml/2006/diagram" xmlns:c="http://schemas.openxmlformats.org/drawingml/2006/chart" xmlns:mv="urn:schemas-microsoft-com:mac:vml" xmlns:mc="http://schemas.openxmlformats.org/markup-compatibility/2006" xmlns="" r:id="rId12" roundtripDataSignature="AMtx7mgUZ/EanI988gELEzf8evnhnh3MyA=="/>
     </p:ext>
   </p:extLst>
 </p:presentation>
@@ -9590,7 +9590,7 @@
         </p:nvSpPr>
         <p:spPr>
           <a:xfrm>
-            <a:off x="615199" y="18340761"/>
+            <a:off x="685537" y="18340761"/>
             <a:ext cx="13880592" cy="2004578"/>
           </a:xfrm>
           <a:prstGeom prst="rect">
@@ -9611,12 +9611,12 @@
           </a:ln>
         </p:spPr>
         <p:txBody>
-          <a:bodyPr spcFirstLastPara="1" wrap="square" lIns="91425" tIns="45700" rIns="91425" bIns="45700" anchor="ctr" anchorCtr="0">
+          <a:bodyPr spcFirstLastPara="1" wrap="square" lIns="91425" tIns="45700" rIns="91425" bIns="45700" anchor="t" anchorCtr="0">
             <a:noAutofit/>
           </a:bodyPr>
           <a:lstStyle/>
           <a:p>
-            <a:pPr marL="0" marR="0" lvl="0" indent="0" algn="ctr" rtl="0">
+            <a:pPr marL="0" marR="0" lvl="0" indent="0" rtl="0">
               <a:spcBef>
                 <a:spcPts val="0"/>
               </a:spcBef>
@@ -9625,7 +9625,21 @@
               </a:spcAft>
               <a:buNone/>
             </a:pPr>
-            <a:endParaRPr sz="5200" dirty="0">
+            <a:r>
+              <a:rPr lang="en-US" sz="3200" b="1" dirty="0">
+                <a:latin typeface="Arial" panose="020B0604020202020204" pitchFamily="34" charset="0"/>
+                <a:cs typeface="Arial" panose="020B0604020202020204" pitchFamily="34" charset="0"/>
+              </a:rPr>
+              <a:t>Hypothesis</a:t>
+            </a:r>
+            <a:r>
+              <a:rPr lang="en-US" sz="3200" dirty="0">
+                <a:latin typeface="Arial" panose="020B0604020202020204" pitchFamily="34" charset="0"/>
+                <a:cs typeface="Arial" panose="020B0604020202020204" pitchFamily="34" charset="0"/>
+              </a:rPr>
+              <a:t>: Individuals who have experienced higher levels of early life adversity (across all dimensions) will demonstrate lower music-reward sensitivity. This relationship will be mediated by levels of general anhedonia.</a:t>
+            </a:r>
+            <a:endParaRPr sz="3200" dirty="0">
               <a:latin typeface="Arial" panose="020B0604020202020204" pitchFamily="34" charset="0"/>
               <a:cs typeface="Arial" panose="020B0604020202020204" pitchFamily="34" charset="0"/>
             </a:endParaRPr>
@@ -10140,7 +10154,7 @@
                 <a:cs typeface="Arial" panose="020B0604020202020204" pitchFamily="34" charset="0"/>
                 <a:sym typeface="Helvetica Neue"/>
               </a:rPr>
-              <a:t>Background</a:t>
+              <a:t>Introduction</a:t>
             </a:r>
             <a:endParaRPr sz="5200" dirty="0">
               <a:latin typeface="Arial" panose="020B0604020202020204" pitchFamily="34" charset="0"/>
@@ -10157,7 +10171,7 @@
         </p:nvSpPr>
         <p:spPr>
           <a:xfrm>
-            <a:off x="29316944" y="27501726"/>
+            <a:off x="29248727" y="21777251"/>
             <a:ext cx="13880592" cy="1287417"/>
           </a:xfrm>
           <a:prstGeom prst="rect">
@@ -10279,8 +10293,8 @@
         </p:nvSpPr>
         <p:spPr>
           <a:xfrm>
-            <a:off x="14945654" y="5429323"/>
-            <a:ext cx="13880592" cy="1287418"/>
+            <a:off x="14945654" y="5429322"/>
+            <a:ext cx="13880592" cy="2708837"/>
           </a:xfrm>
           <a:prstGeom prst="rect">
             <a:avLst/>
@@ -10314,7 +10328,7 @@
               <a:buNone/>
             </a:pPr>
             <a:r>
-              <a:rPr lang="en-US" sz="5200" b="1">
+              <a:rPr lang="en-US" sz="5200" b="1" dirty="0">
                 <a:solidFill>
                   <a:schemeClr val="lt1"/>
                 </a:solidFill>
@@ -10323,7 +10337,7 @@
                 <a:cs typeface="Arial" panose="020B0604020202020204" pitchFamily="34" charset="0"/>
                 <a:sym typeface="Helvetica Neue"/>
               </a:rPr>
-              <a:t>Study 1 Results</a:t>
+              <a:t>Absorption is also positively related to resilience &amp; both healthy and unhealthy music usage</a:t>
             </a:r>
             <a:endParaRPr sz="5200" dirty="0">
               <a:latin typeface="Arial" panose="020B0604020202020204" pitchFamily="34" charset="0"/>
@@ -10368,16 +10382,74 @@
           </a:bodyPr>
           <a:lstStyle/>
           <a:p>
-            <a:pPr fontAlgn="base"/>
-            <a:endParaRPr lang="en-US" sz="3200" b="1" dirty="0">
-              <a:solidFill>
-                <a:schemeClr val="dk1"/>
-              </a:solidFill>
-              <a:latin typeface="Arial" panose="020B0604020202020204" pitchFamily="34" charset="0"/>
-              <a:ea typeface="Helvetica Neue"/>
-              <a:cs typeface="Arial" panose="020B0604020202020204" pitchFamily="34" charset="0"/>
-              <a:sym typeface="Helvetica Neue"/>
-            </a:endParaRPr>
+            <a:pPr marL="457200" indent="-457200" fontAlgn="base">
+              <a:buFont typeface="Arial" panose="020B0604020202020204" pitchFamily="34" charset="0"/>
+              <a:buChar char="•"/>
+            </a:pPr>
+            <a:r>
+              <a:rPr lang="en-US" sz="3200" dirty="0">
+                <a:solidFill>
+                  <a:schemeClr val="dk1"/>
+                </a:solidFill>
+                <a:latin typeface="Arial" panose="020B0604020202020204" pitchFamily="34" charset="0"/>
+                <a:ea typeface="Helvetica Neue"/>
+                <a:cs typeface="Arial" panose="020B0604020202020204" pitchFamily="34" charset="0"/>
+                <a:sym typeface="Helvetica Neue"/>
+              </a:rPr>
+              <a:t>Music accrues implicit reward value by exploiting reward-prediction mechanisms: listeners tend to prefer music with predictable acoustic and structural features</a:t>
+            </a:r>
+          </a:p>
+          <a:p>
+            <a:pPr marL="457200" indent="-457200" fontAlgn="base">
+              <a:buFont typeface="Arial" panose="020B0604020202020204" pitchFamily="34" charset="0"/>
+              <a:buChar char="•"/>
+            </a:pPr>
+            <a:r>
+              <a:rPr lang="en-US" sz="3200" b="0" i="0" u="none" strike="noStrike" dirty="0">
+                <a:solidFill>
+                  <a:srgbClr val="000000"/>
+                </a:solidFill>
+                <a:effectLst/>
+                <a:latin typeface="Arial" panose="020B0604020202020204" pitchFamily="34" charset="0"/>
+              </a:rPr>
+              <a:t>Pleasurable music listening experiences involve interactions between the auditory and reward systems</a:t>
+            </a:r>
+          </a:p>
+          <a:p>
+            <a:pPr marL="457200" indent="-457200" fontAlgn="base">
+              <a:buFont typeface="Arial" panose="020B0604020202020204" pitchFamily="34" charset="0"/>
+              <a:buChar char="•"/>
+            </a:pPr>
+            <a:r>
+              <a:rPr lang="en-US" sz="3200" dirty="0">
+                <a:solidFill>
+                  <a:schemeClr val="dk1"/>
+                </a:solidFill>
+                <a:latin typeface="Arial" panose="020B0604020202020204" pitchFamily="34" charset="0"/>
+                <a:ea typeface="Helvetica Neue"/>
+                <a:cs typeface="Arial" panose="020B0604020202020204" pitchFamily="34" charset="0"/>
+                <a:sym typeface="Helvetica Neue"/>
+              </a:rPr>
+              <a:t>ELA depression/structural brain changes</a:t>
+            </a:r>
+          </a:p>
+          <a:p>
+            <a:pPr marL="457200" indent="-457200" fontAlgn="base">
+              <a:buFont typeface="Arial" panose="020B0604020202020204" pitchFamily="34" charset="0"/>
+              <a:buChar char="•"/>
+            </a:pPr>
+            <a:r>
+              <a:rPr lang="en-US" sz="3200" dirty="0">
+                <a:solidFill>
+                  <a:schemeClr val="dk1"/>
+                </a:solidFill>
+                <a:latin typeface="Arial" panose="020B0604020202020204" pitchFamily="34" charset="0"/>
+                <a:ea typeface="Helvetica Neue"/>
+                <a:cs typeface="Arial" panose="020B0604020202020204" pitchFamily="34" charset="0"/>
+                <a:sym typeface="Helvetica Neue"/>
+              </a:rPr>
+              <a:t>connection</a:t>
+            </a:r>
           </a:p>
         </p:txBody>
       </p:sp>
@@ -10395,8 +10467,8 @@
         </p:nvSpPr>
         <p:spPr>
           <a:xfrm>
-            <a:off x="29266095" y="5450874"/>
-            <a:ext cx="13880592" cy="1287417"/>
+            <a:off x="29200935" y="5450874"/>
+            <a:ext cx="13880592" cy="2135123"/>
           </a:xfrm>
           <a:prstGeom prst="rect">
             <a:avLst/>
@@ -10439,7 +10511,7 @@
                 <a:cs typeface="Arial" panose="020B0604020202020204" pitchFamily="34" charset="0"/>
                 <a:sym typeface="Helvetica Neue"/>
               </a:rPr>
-              <a:t>ROI-ROI Connectivity</a:t>
+              <a:t>AIMS mediates the relationship between ELA and resilience</a:t>
             </a:r>
             <a:endParaRPr lang="en-US" sz="5200" dirty="0">
               <a:latin typeface="Arial" panose="020B0604020202020204" pitchFamily="34" charset="0"/>
@@ -10529,7 +10601,7 @@
         </p:nvSpPr>
         <p:spPr>
           <a:xfrm>
-            <a:off x="14999969" y="16436771"/>
+            <a:off x="14572569" y="24808956"/>
             <a:ext cx="13880592" cy="1287418"/>
           </a:xfrm>
           <a:prstGeom prst="rect">
@@ -10565,31 +10637,7 @@
                 <a:cs typeface="Arial" panose="020B0604020202020204" pitchFamily="34" charset="0"/>
                 <a:sym typeface="Helvetica Neue"/>
               </a:rPr>
-              <a:t>Right </a:t>
-            </a:r>
-            <a:r>
-              <a:rPr lang="en-US" sz="5200" b="1" dirty="0" err="1">
-                <a:solidFill>
-                  <a:schemeClr val="lt1"/>
-                </a:solidFill>
-                <a:latin typeface="Arial" panose="020B0604020202020204" pitchFamily="34" charset="0"/>
-                <a:ea typeface="Helvetica Neue"/>
-                <a:cs typeface="Arial" panose="020B0604020202020204" pitchFamily="34" charset="0"/>
-                <a:sym typeface="Helvetica Neue"/>
-              </a:rPr>
-              <a:t>NAcc</a:t>
-            </a:r>
-            <a:r>
-              <a:rPr lang="en-US" sz="5200" b="1" dirty="0">
-                <a:solidFill>
-                  <a:schemeClr val="lt1"/>
-                </a:solidFill>
-                <a:latin typeface="Arial" panose="020B0604020202020204" pitchFamily="34" charset="0"/>
-                <a:ea typeface="Helvetica Neue"/>
-                <a:cs typeface="Arial" panose="020B0604020202020204" pitchFamily="34" charset="0"/>
-                <a:sym typeface="Helvetica Neue"/>
-              </a:rPr>
-              <a:t> Activation Time Series</a:t>
+              <a:t>Study 2 Methods</a:t>
             </a:r>
             <a:endParaRPr lang="en-US" sz="5200" dirty="0">
               <a:latin typeface="Arial" panose="020B0604020202020204" pitchFamily="34" charset="0"/>
@@ -10852,8 +10900,8 @@
         </p:nvSpPr>
         <p:spPr>
           <a:xfrm>
-            <a:off x="492317" y="28065473"/>
-            <a:ext cx="13880592" cy="1287418"/>
+            <a:off x="398649" y="26259324"/>
+            <a:ext cx="13880592" cy="2813112"/>
           </a:xfrm>
           <a:prstGeom prst="rect">
             <a:avLst/>
@@ -10888,7 +10936,7 @@
                 <a:cs typeface="Arial" panose="020B0604020202020204" pitchFamily="34" charset="0"/>
                 <a:sym typeface="Helvetica Neue"/>
               </a:rPr>
-              <a:t>Study 1 Results</a:t>
+              <a:t>All dimensions of ELA are positively associated with reports of absorption into music</a:t>
             </a:r>
             <a:endParaRPr lang="en-US" sz="5200" dirty="0">
               <a:latin typeface="Arial" panose="020B0604020202020204" pitchFamily="34" charset="0"/>
@@ -10911,8 +10959,8 @@
         </p:nvSpPr>
         <p:spPr>
           <a:xfrm>
-            <a:off x="14920964" y="24646709"/>
-            <a:ext cx="13880592" cy="1287418"/>
+            <a:off x="14420753" y="32258317"/>
+            <a:ext cx="13880592" cy="2004578"/>
           </a:xfrm>
           <a:prstGeom prst="rect">
             <a:avLst/>
@@ -10938,18 +10986,6 @@
           <a:p>
             <a:pPr lvl="0" algn="ctr"/>
             <a:r>
-              <a:rPr lang="en-US" sz="5200" b="1" dirty="0" err="1">
-                <a:solidFill>
-                  <a:schemeClr val="lt1"/>
-                </a:solidFill>
-                <a:latin typeface="Arial" panose="020B0604020202020204" pitchFamily="34" charset="0"/>
-                <a:ea typeface="Helvetica Neue"/>
-                <a:cs typeface="Arial" panose="020B0604020202020204" pitchFamily="34" charset="0"/>
-                <a:sym typeface="Helvetica Neue"/>
-              </a:rPr>
-              <a:t>NAcc</a:t>
-            </a:r>
-            <a:r>
               <a:rPr lang="en-US" sz="5200" b="1" dirty="0">
                 <a:solidFill>
                   <a:schemeClr val="lt1"/>
@@ -10959,7 +10995,7 @@
                 <a:cs typeface="Arial" panose="020B0604020202020204" pitchFamily="34" charset="0"/>
                 <a:sym typeface="Helvetica Neue"/>
               </a:rPr>
-              <a:t> Seed-Based Connectivity</a:t>
+              <a:t>Absorption in music significantly related to positive and negative escapism (and ELA)</a:t>
             </a:r>
             <a:endParaRPr lang="en-US" sz="5200" dirty="0">
               <a:latin typeface="Arial" panose="020B0604020202020204" pitchFamily="34" charset="0"/>
@@ -11069,6 +11105,293 @@
           <a:xfrm>
             <a:off x="38692799" y="501351"/>
             <a:ext cx="4289198" cy="4289198"/>
+          </a:xfrm>
+          <a:prstGeom prst="rect">
+            <a:avLst/>
+          </a:prstGeom>
+        </p:spPr>
+      </p:pic>
+      <p:sp>
+        <p:nvSpPr>
+          <p:cNvPr id="6" name="Google Shape;121;p1">
+            <a:extLst>
+              <a:ext uri="{FF2B5EF4-FFF2-40B4-BE49-F238E27FC236}">
+                <a16:creationId xmlns:a16="http://schemas.microsoft.com/office/drawing/2014/main" id="{44773F9E-3378-6CEC-424F-5F75E425D676}"/>
+              </a:ext>
+            </a:extLst>
+          </p:cNvPr>
+          <p:cNvSpPr/>
+          <p:nvPr/>
+        </p:nvSpPr>
+        <p:spPr>
+          <a:xfrm>
+            <a:off x="14597153" y="22942407"/>
+            <a:ext cx="13880592" cy="1676625"/>
+          </a:xfrm>
+          <a:prstGeom prst="rect">
+            <a:avLst/>
+          </a:prstGeom>
+          <a:solidFill>
+            <a:schemeClr val="accent6">
+              <a:lumMod val="40000"/>
+              <a:lumOff val="60000"/>
+            </a:schemeClr>
+          </a:solidFill>
+          <a:ln w="12700" cap="flat" cmpd="sng">
+            <a:noFill/>
+            <a:prstDash val="solid"/>
+            <a:miter lim="800000"/>
+            <a:headEnd type="none" w="sm" len="sm"/>
+            <a:tailEnd type="none" w="sm" len="sm"/>
+          </a:ln>
+        </p:spPr>
+        <p:txBody>
+          <a:bodyPr spcFirstLastPara="1" wrap="square" lIns="91425" tIns="45700" rIns="91425" bIns="45700" anchor="t" anchorCtr="0">
+            <a:noAutofit/>
+          </a:bodyPr>
+          <a:lstStyle/>
+          <a:p>
+            <a:pPr marL="0" marR="0" lvl="0" indent="0" rtl="0">
+              <a:spcBef>
+                <a:spcPts val="0"/>
+              </a:spcBef>
+              <a:spcAft>
+                <a:spcPts val="0"/>
+              </a:spcAft>
+              <a:buNone/>
+            </a:pPr>
+            <a:r>
+              <a:rPr lang="en-US" sz="3200" b="1" dirty="0">
+                <a:latin typeface="Arial" panose="020B0604020202020204" pitchFamily="34" charset="0"/>
+                <a:cs typeface="Arial" panose="020B0604020202020204" pitchFamily="34" charset="0"/>
+              </a:rPr>
+              <a:t>Follow-up Hypothesis</a:t>
+            </a:r>
+            <a:r>
+              <a:rPr lang="en-US" sz="3200" dirty="0">
+                <a:latin typeface="Arial" panose="020B0604020202020204" pitchFamily="34" charset="0"/>
+                <a:cs typeface="Arial" panose="020B0604020202020204" pitchFamily="34" charset="0"/>
+              </a:rPr>
+              <a:t>: The degree to which individuals report absorption into music will be related to how much they report using music as a form of escapism</a:t>
+            </a:r>
+            <a:endParaRPr sz="3200" dirty="0">
+              <a:latin typeface="Arial" panose="020B0604020202020204" pitchFamily="34" charset="0"/>
+              <a:cs typeface="Arial" panose="020B0604020202020204" pitchFamily="34" charset="0"/>
+            </a:endParaRPr>
+          </a:p>
+        </p:txBody>
+      </p:sp>
+      <p:sp>
+        <p:nvSpPr>
+          <p:cNvPr id="7" name="Google Shape;121;p1">
+            <a:extLst>
+              <a:ext uri="{FF2B5EF4-FFF2-40B4-BE49-F238E27FC236}">
+                <a16:creationId xmlns:a16="http://schemas.microsoft.com/office/drawing/2014/main" id="{23EEB91C-EB40-491B-3B2B-BBF557A4607D}"/>
+              </a:ext>
+            </a:extLst>
+          </p:cNvPr>
+          <p:cNvSpPr/>
+          <p:nvPr/>
+        </p:nvSpPr>
+        <p:spPr>
+          <a:xfrm>
+            <a:off x="14688964" y="15759174"/>
+            <a:ext cx="13880592" cy="1287418"/>
+          </a:xfrm>
+          <a:prstGeom prst="rect">
+            <a:avLst/>
+          </a:prstGeom>
+          <a:solidFill>
+            <a:schemeClr val="accent6">
+              <a:lumMod val="50000"/>
+            </a:schemeClr>
+          </a:solidFill>
+          <a:ln w="12700" cap="flat" cmpd="sng">
+            <a:noFill/>
+            <a:prstDash val="solid"/>
+            <a:miter lim="800000"/>
+            <a:headEnd type="none" w="sm" len="sm"/>
+            <a:tailEnd type="none" w="sm" len="sm"/>
+          </a:ln>
+        </p:spPr>
+        <p:txBody>
+          <a:bodyPr spcFirstLastPara="1" wrap="square" lIns="91425" tIns="45700" rIns="91425" bIns="45700" anchor="ctr" anchorCtr="0">
+            <a:noAutofit/>
+          </a:bodyPr>
+          <a:lstStyle/>
+          <a:p>
+            <a:pPr marL="0" marR="0" lvl="0" indent="0" algn="ctr" rtl="0">
+              <a:spcBef>
+                <a:spcPts val="0"/>
+              </a:spcBef>
+              <a:spcAft>
+                <a:spcPts val="0"/>
+              </a:spcAft>
+              <a:buNone/>
+            </a:pPr>
+            <a:r>
+              <a:rPr lang="en-US" sz="5200" b="1" dirty="0">
+                <a:solidFill>
+                  <a:schemeClr val="lt1"/>
+                </a:solidFill>
+                <a:latin typeface="Arial" panose="020B0604020202020204" pitchFamily="34" charset="0"/>
+                <a:ea typeface="Helvetica Neue"/>
+                <a:cs typeface="Arial" panose="020B0604020202020204" pitchFamily="34" charset="0"/>
+                <a:sym typeface="Helvetica Neue"/>
+              </a:rPr>
+              <a:t>Interim Conclusion</a:t>
+            </a:r>
+            <a:endParaRPr sz="5200" dirty="0">
+              <a:latin typeface="Arial" panose="020B0604020202020204" pitchFamily="34" charset="0"/>
+              <a:cs typeface="Arial" panose="020B0604020202020204" pitchFamily="34" charset="0"/>
+            </a:endParaRPr>
+          </a:p>
+        </p:txBody>
+      </p:sp>
+      <p:pic>
+        <p:nvPicPr>
+          <p:cNvPr id="8" name="Picture 7">
+            <a:extLst>
+              <a:ext uri="{FF2B5EF4-FFF2-40B4-BE49-F238E27FC236}">
+                <a16:creationId xmlns:a16="http://schemas.microsoft.com/office/drawing/2014/main" id="{283ECA19-5A12-A7E6-5E6A-26C3CFC516D5}"/>
+              </a:ext>
+            </a:extLst>
+          </p:cNvPr>
+          <p:cNvPicPr>
+            <a:picLocks noChangeAspect="1"/>
+          </p:cNvPicPr>
+          <p:nvPr/>
+        </p:nvPicPr>
+        <p:blipFill>
+          <a:blip r:embed="rId11"/>
+          <a:stretch>
+            <a:fillRect/>
+          </a:stretch>
+        </p:blipFill>
+        <p:spPr>
+          <a:xfrm>
+            <a:off x="2560320" y="28671347"/>
+            <a:ext cx="9056783" cy="9056783"/>
+          </a:xfrm>
+          <a:prstGeom prst="rect">
+            <a:avLst/>
+          </a:prstGeom>
+        </p:spPr>
+      </p:pic>
+      <p:pic>
+        <p:nvPicPr>
+          <p:cNvPr id="13" name="Picture 12" descr="A graph of resilience and absorption score&#10;&#10;Description automatically generated with low confidence">
+            <a:extLst>
+              <a:ext uri="{FF2B5EF4-FFF2-40B4-BE49-F238E27FC236}">
+                <a16:creationId xmlns:a16="http://schemas.microsoft.com/office/drawing/2014/main" id="{3CA77D62-8FE3-D904-9047-316002EA7219}"/>
+              </a:ext>
+            </a:extLst>
+          </p:cNvPr>
+          <p:cNvPicPr>
+            <a:picLocks noChangeAspect="1"/>
+          </p:cNvPicPr>
+          <p:nvPr/>
+        </p:nvPicPr>
+        <p:blipFill>
+          <a:blip r:embed="rId12"/>
+          <a:stretch>
+            <a:fillRect/>
+          </a:stretch>
+        </p:blipFill>
+        <p:spPr>
+          <a:xfrm>
+            <a:off x="14976678" y="8470042"/>
+            <a:ext cx="6775702" cy="6775702"/>
+          </a:xfrm>
+          <a:prstGeom prst="rect">
+            <a:avLst/>
+          </a:prstGeom>
+        </p:spPr>
+      </p:pic>
+      <p:pic>
+        <p:nvPicPr>
+          <p:cNvPr id="15" name="Picture 14" descr="A picture containing text, screenshot, line, parallel&#10;&#10;Description automatically generated">
+            <a:extLst>
+              <a:ext uri="{FF2B5EF4-FFF2-40B4-BE49-F238E27FC236}">
+                <a16:creationId xmlns:a16="http://schemas.microsoft.com/office/drawing/2014/main" id="{F86B01E1-3524-FEC2-58A8-BEA8B78D2D3A}"/>
+              </a:ext>
+            </a:extLst>
+          </p:cNvPr>
+          <p:cNvPicPr>
+            <a:picLocks noChangeAspect="1"/>
+          </p:cNvPicPr>
+          <p:nvPr/>
+        </p:nvPicPr>
+        <p:blipFill>
+          <a:blip r:embed="rId13"/>
+          <a:stretch>
+            <a:fillRect/>
+          </a:stretch>
+        </p:blipFill>
+        <p:spPr>
+          <a:xfrm>
+            <a:off x="21789186" y="8844944"/>
+            <a:ext cx="6400800" cy="6400800"/>
+          </a:xfrm>
+          <a:prstGeom prst="rect">
+            <a:avLst/>
+          </a:prstGeom>
+        </p:spPr>
+      </p:pic>
+      <p:pic>
+        <p:nvPicPr>
+          <p:cNvPr id="17" name="Picture 16" descr="A close up of a logo&#10;&#10;Description automatically generated with low confidence">
+            <a:extLst>
+              <a:ext uri="{FF2B5EF4-FFF2-40B4-BE49-F238E27FC236}">
+                <a16:creationId xmlns:a16="http://schemas.microsoft.com/office/drawing/2014/main" id="{D6451C49-D796-F0AF-E970-0C598B4ACC0A}"/>
+              </a:ext>
+            </a:extLst>
+          </p:cNvPr>
+          <p:cNvPicPr>
+            <a:picLocks noChangeAspect="1"/>
+          </p:cNvPicPr>
+          <p:nvPr/>
+        </p:nvPicPr>
+        <p:blipFill>
+          <a:blip r:embed="rId14"/>
+          <a:stretch>
+            <a:fillRect/>
+          </a:stretch>
+        </p:blipFill>
+        <p:spPr>
+          <a:xfrm>
+            <a:off x="22650732" y="9795310"/>
+            <a:ext cx="1391543" cy="463848"/>
+          </a:xfrm>
+          <a:prstGeom prst="rect">
+            <a:avLst/>
+          </a:prstGeom>
+        </p:spPr>
+      </p:pic>
+      <p:pic>
+        <p:nvPicPr>
+          <p:cNvPr id="21" name="Picture 20" descr="A picture containing font, logo, graphics, text&#10;&#10;Description automatically generated">
+            <a:extLst>
+              <a:ext uri="{FF2B5EF4-FFF2-40B4-BE49-F238E27FC236}">
+                <a16:creationId xmlns:a16="http://schemas.microsoft.com/office/drawing/2014/main" id="{239A3BC9-37BB-6C25-4901-150568CD9E33}"/>
+              </a:ext>
+            </a:extLst>
+          </p:cNvPr>
+          <p:cNvPicPr>
+            <a:picLocks noChangeAspect="1"/>
+          </p:cNvPicPr>
+          <p:nvPr/>
+        </p:nvPicPr>
+        <p:blipFill>
+          <a:blip r:embed="rId15"/>
+          <a:stretch>
+            <a:fillRect/>
+          </a:stretch>
+        </p:blipFill>
+        <p:spPr>
+          <a:xfrm>
+            <a:off x="26654468" y="9779584"/>
+            <a:ext cx="1257300" cy="495300"/>
           </a:xfrm>
           <a:prstGeom prst="rect">
             <a:avLst/>

--- a/presentations/ISDP_template.pptx
+++ b/presentations/ISDP_template.pptx
@@ -262,7 +262,7 @@
       <p15:sldGuideLst xmlns:p15="http://schemas.microsoft.com/office/powerpoint/2012/main"/>
     </p:ext>
     <p:ext uri="http://customooxmlschemas.google.com/">
-      <go:slidesCustomData xmlns:go="http://customooxmlschemas.google.com/" xmlns:ahyp="http://schemas.microsoft.com/office/drawing/2018/hyperlinkcolor" xmlns:p15="http://schemas.microsoft.com/office/powerpoint/2012/main" xmlns:p14="http://schemas.microsoft.com/office/powerpoint/2010/main" xmlns:com="http://schemas.openxmlformats.org/drawingml/2006/compatibility" xmlns:pvml="urn:schemas-microsoft-com:office:powerpoint" xmlns:v="urn:schemas-microsoft-com:vml" xmlns:o="urn:schemas-microsoft-com:office:office" xmlns:dgm="http://schemas.openxmlformats.org/drawingml/2006/diagram" xmlns:c="http://schemas.openxmlformats.org/drawingml/2006/chart" xmlns:mv="urn:schemas-microsoft-com:mac:vml" xmlns:mc="http://schemas.openxmlformats.org/markup-compatibility/2006" xmlns="" r:id="rId12" roundtripDataSignature="AMtx7mgUZ/EanI988gELEzf8evnhnh3MyA=="/>
+      <go:slidesCustomData xmlns="" xmlns:mc="http://schemas.openxmlformats.org/markup-compatibility/2006" xmlns:mv="urn:schemas-microsoft-com:mac:vml" xmlns:c="http://schemas.openxmlformats.org/drawingml/2006/chart" xmlns:dgm="http://schemas.openxmlformats.org/drawingml/2006/diagram" xmlns:o="urn:schemas-microsoft-com:office:office" xmlns:v="urn:schemas-microsoft-com:vml" xmlns:pvml="urn:schemas-microsoft-com:office:powerpoint" xmlns:com="http://schemas.openxmlformats.org/drawingml/2006/compatibility" xmlns:p14="http://schemas.microsoft.com/office/powerpoint/2010/main" xmlns:p15="http://schemas.microsoft.com/office/powerpoint/2012/main" xmlns:ahyp="http://schemas.microsoft.com/office/drawing/2018/hyperlinkcolor" xmlns:go="http://customooxmlschemas.google.com/" r:id="rId12" roundtripDataSignature="AMtx7mgUZ/EanI988gELEzf8evnhnh3MyA=="/>
     </p:ext>
   </p:extLst>
 </p:presentation>
@@ -9590,7 +9590,7 @@
         </p:nvSpPr>
         <p:spPr>
           <a:xfrm>
-            <a:off x="685537" y="18340761"/>
+            <a:off x="615152" y="11660457"/>
             <a:ext cx="13880592" cy="2004578"/>
           </a:xfrm>
           <a:prstGeom prst="rect">
@@ -9637,7 +9637,7 @@
                 <a:latin typeface="Arial" panose="020B0604020202020204" pitchFamily="34" charset="0"/>
                 <a:cs typeface="Arial" panose="020B0604020202020204" pitchFamily="34" charset="0"/>
               </a:rPr>
-              <a:t>: Individuals who have experienced higher levels of early life adversity (across all dimensions) will demonstrate lower music-reward sensitivity. This relationship will be mediated by levels of general anhedonia.</a:t>
+              <a:t>: Individuals who have experienced higher levels of early life adversity (across all dimensions) will demonstrate lower music-reward sensitivity.</a:t>
             </a:r>
             <a:endParaRPr sz="3200" dirty="0">
               <a:latin typeface="Arial" panose="020B0604020202020204" pitchFamily="34" charset="0"/>
@@ -9836,8 +9836,8 @@
         </p:nvSpPr>
         <p:spPr>
           <a:xfrm>
-            <a:off x="15013484" y="6830829"/>
-            <a:ext cx="13877365" cy="31116771"/>
+            <a:off x="14658944" y="17031168"/>
+            <a:ext cx="13877365" cy="20872280"/>
           </a:xfrm>
           <a:prstGeom prst="rect">
             <a:avLst/>
@@ -9862,9 +9862,78 @@
               <a:buFont typeface="Arial" panose="020B0604020202020204" pitchFamily="34" charset="0"/>
               <a:buChar char="•"/>
             </a:pPr>
-            <a:endParaRPr lang="en-US" sz="3200" kern="1200" dirty="0">
+            <a:r>
+              <a:rPr lang="en-US" sz="3200" dirty="0">
+                <a:solidFill>
+                  <a:schemeClr val="dk1"/>
+                </a:solidFill>
+                <a:latin typeface="Arial" panose="020B0604020202020204" pitchFamily="34" charset="0"/>
+                <a:ea typeface="Helvetica Neue"/>
+                <a:cs typeface="Arial" panose="020B0604020202020204" pitchFamily="34" charset="0"/>
+                <a:sym typeface="Helvetica Neue"/>
+              </a:rPr>
+              <a:t>Early life adversity is associated with more reported absorption in music cross all dimensions</a:t>
+            </a:r>
+          </a:p>
+          <a:p>
+            <a:pPr marL="457200" indent="-457200" fontAlgn="base">
+              <a:buFont typeface="Arial" panose="020B0604020202020204" pitchFamily="34" charset="0"/>
+              <a:buChar char="•"/>
+            </a:pPr>
+            <a:r>
+              <a:rPr lang="en-US" sz="3200" dirty="0">
+                <a:solidFill>
+                  <a:schemeClr val="dk1"/>
+                </a:solidFill>
+                <a:latin typeface="Arial" panose="020B0604020202020204" pitchFamily="34" charset="0"/>
+                <a:ea typeface="Helvetica Neue"/>
+                <a:cs typeface="Arial" panose="020B0604020202020204" pitchFamily="34" charset="0"/>
+                <a:sym typeface="Helvetica Neue"/>
+              </a:rPr>
+              <a:t>Absorption positively correlated with resilience and healthy music usage, suggesting it can serve an adaptive purpose</a:t>
+            </a:r>
+          </a:p>
+          <a:p>
+            <a:pPr marL="457200" indent="-457200" fontAlgn="base">
+              <a:buFont typeface="Arial" panose="020B0604020202020204" pitchFamily="34" charset="0"/>
+              <a:buChar char="•"/>
+            </a:pPr>
+            <a:r>
+              <a:rPr lang="en-US" sz="3200" dirty="0">
+                <a:solidFill>
+                  <a:schemeClr val="dk1"/>
+                </a:solidFill>
+                <a:latin typeface="Arial" panose="020B0604020202020204" pitchFamily="34" charset="0"/>
+                <a:ea typeface="Helvetica Neue"/>
+                <a:cs typeface="Arial" panose="020B0604020202020204" pitchFamily="34" charset="0"/>
+                <a:sym typeface="Helvetica Neue"/>
+              </a:rPr>
+              <a:t>Items on the unhealthy music usage scale index music listening as a form of escapism (e.g. “I hide in my music because nobody understands me, and it blocks people out),</a:t>
+            </a:r>
+          </a:p>
+          <a:p>
+            <a:pPr marL="457200" indent="-457200" fontAlgn="base">
+              <a:buFont typeface="Arial" panose="020B0604020202020204" pitchFamily="34" charset="0"/>
+              <a:buChar char="•"/>
+            </a:pPr>
+            <a:r>
+              <a:rPr lang="en-US" sz="3200" dirty="0">
+                <a:solidFill>
+                  <a:schemeClr val="dk1"/>
+                </a:solidFill>
+                <a:latin typeface="Arial" panose="020B0604020202020204" pitchFamily="34" charset="0"/>
+                <a:ea typeface="Helvetica Neue"/>
+                <a:cs typeface="Arial" panose="020B0604020202020204" pitchFamily="34" charset="0"/>
+                <a:sym typeface="Helvetica Neue"/>
+              </a:rPr>
+              <a:t>In adverse contexts, such escapism might be adaptive, explaining why absorption in music is positively related to experiences of adversity</a:t>
+            </a:r>
+          </a:p>
+          <a:p>
+            <a:pPr fontAlgn="base"/>
+            <a:endParaRPr lang="en-US" sz="3200" dirty="0">
               <a:solidFill>
-                <a:schemeClr val="tx1"/>
+                <a:schemeClr val="dk1"/>
               </a:solidFill>
               <a:latin typeface="Arial" panose="020B0604020202020204" pitchFamily="34" charset="0"/>
               <a:ea typeface="Helvetica Neue"/>
@@ -9874,9 +9943,105 @@
           </a:p>
           <a:p>
             <a:pPr fontAlgn="base"/>
-            <a:endParaRPr lang="en-US" sz="3200" kern="1200" dirty="0">
+            <a:endParaRPr lang="en-US" sz="3200" dirty="0">
               <a:solidFill>
-                <a:schemeClr val="tx1"/>
+                <a:schemeClr val="dk1"/>
+              </a:solidFill>
+              <a:latin typeface="Arial" panose="020B0604020202020204" pitchFamily="34" charset="0"/>
+              <a:ea typeface="Helvetica Neue"/>
+              <a:cs typeface="Arial" panose="020B0604020202020204" pitchFamily="34" charset="0"/>
+              <a:sym typeface="Helvetica Neue"/>
+            </a:endParaRPr>
+          </a:p>
+          <a:p>
+            <a:pPr fontAlgn="base"/>
+            <a:endParaRPr lang="en-US" sz="3200" dirty="0">
+              <a:solidFill>
+                <a:schemeClr val="dk1"/>
+              </a:solidFill>
+              <a:latin typeface="Arial" panose="020B0604020202020204" pitchFamily="34" charset="0"/>
+              <a:ea typeface="Helvetica Neue"/>
+              <a:cs typeface="Arial" panose="020B0604020202020204" pitchFamily="34" charset="0"/>
+              <a:sym typeface="Helvetica Neue"/>
+            </a:endParaRPr>
+          </a:p>
+          <a:p>
+            <a:pPr fontAlgn="base"/>
+            <a:endParaRPr lang="en-US" sz="3200" dirty="0">
+              <a:solidFill>
+                <a:schemeClr val="dk1"/>
+              </a:solidFill>
+              <a:latin typeface="Arial" panose="020B0604020202020204" pitchFamily="34" charset="0"/>
+              <a:ea typeface="Helvetica Neue"/>
+              <a:cs typeface="Arial" panose="020B0604020202020204" pitchFamily="34" charset="0"/>
+              <a:sym typeface="Helvetica Neue"/>
+            </a:endParaRPr>
+          </a:p>
+          <a:p>
+            <a:pPr fontAlgn="base"/>
+            <a:endParaRPr lang="en-US" sz="3200" dirty="0">
+              <a:solidFill>
+                <a:schemeClr val="dk1"/>
+              </a:solidFill>
+              <a:latin typeface="Arial" panose="020B0604020202020204" pitchFamily="34" charset="0"/>
+              <a:ea typeface="Helvetica Neue"/>
+              <a:cs typeface="Arial" panose="020B0604020202020204" pitchFamily="34" charset="0"/>
+              <a:sym typeface="Helvetica Neue"/>
+            </a:endParaRPr>
+          </a:p>
+          <a:p>
+            <a:pPr fontAlgn="base"/>
+            <a:endParaRPr lang="en-US" sz="3200" dirty="0">
+              <a:solidFill>
+                <a:schemeClr val="dk1"/>
+              </a:solidFill>
+              <a:latin typeface="Arial" panose="020B0604020202020204" pitchFamily="34" charset="0"/>
+              <a:ea typeface="Helvetica Neue"/>
+              <a:cs typeface="Arial" panose="020B0604020202020204" pitchFamily="34" charset="0"/>
+              <a:sym typeface="Helvetica Neue"/>
+            </a:endParaRPr>
+          </a:p>
+          <a:p>
+            <a:pPr fontAlgn="base"/>
+            <a:endParaRPr lang="en-US" sz="3200" dirty="0">
+              <a:solidFill>
+                <a:schemeClr val="dk1"/>
+              </a:solidFill>
+              <a:latin typeface="Arial" panose="020B0604020202020204" pitchFamily="34" charset="0"/>
+              <a:ea typeface="Helvetica Neue"/>
+              <a:cs typeface="Arial" panose="020B0604020202020204" pitchFamily="34" charset="0"/>
+              <a:sym typeface="Helvetica Neue"/>
+            </a:endParaRPr>
+          </a:p>
+          <a:p>
+            <a:pPr fontAlgn="base"/>
+            <a:endParaRPr lang="en-US" sz="3200" dirty="0">
+              <a:solidFill>
+                <a:schemeClr val="dk1"/>
+              </a:solidFill>
+              <a:latin typeface="Arial" panose="020B0604020202020204" pitchFamily="34" charset="0"/>
+              <a:ea typeface="Helvetica Neue"/>
+              <a:cs typeface="Arial" panose="020B0604020202020204" pitchFamily="34" charset="0"/>
+              <a:sym typeface="Helvetica Neue"/>
+            </a:endParaRPr>
+          </a:p>
+          <a:p>
+            <a:pPr fontAlgn="base"/>
+            <a:endParaRPr lang="en-US" sz="3200" dirty="0">
+              <a:solidFill>
+                <a:schemeClr val="dk1"/>
+              </a:solidFill>
+              <a:latin typeface="Arial" panose="020B0604020202020204" pitchFamily="34" charset="0"/>
+              <a:ea typeface="Helvetica Neue"/>
+              <a:cs typeface="Arial" panose="020B0604020202020204" pitchFamily="34" charset="0"/>
+              <a:sym typeface="Helvetica Neue"/>
+            </a:endParaRPr>
+          </a:p>
+          <a:p>
+            <a:pPr fontAlgn="base"/>
+            <a:endParaRPr lang="en-US" sz="3200" dirty="0">
+              <a:solidFill>
+                <a:schemeClr val="dk1"/>
               </a:solidFill>
               <a:latin typeface="Arial" panose="020B0604020202020204" pitchFamily="34" charset="0"/>
               <a:ea typeface="Helvetica Neue"/>
@@ -9889,180 +10054,84 @@
               <a:buFont typeface="Arial" panose="020B0604020202020204" pitchFamily="34" charset="0"/>
               <a:buChar char="•"/>
             </a:pPr>
-            <a:endParaRPr lang="en-US" sz="3200" kern="1200" dirty="0">
-              <a:solidFill>
-                <a:schemeClr val="tx1"/>
-              </a:solidFill>
-              <a:latin typeface="Arial" panose="020B0604020202020204" pitchFamily="34" charset="0"/>
-              <a:ea typeface="Helvetica Neue"/>
-              <a:cs typeface="Arial" panose="020B0604020202020204" pitchFamily="34" charset="0"/>
-              <a:sym typeface="Helvetica Neue"/>
-            </a:endParaRPr>
+            <a:r>
+              <a:rPr lang="en-US" sz="3200" dirty="0">
+                <a:solidFill>
+                  <a:schemeClr val="dk1"/>
+                </a:solidFill>
+                <a:latin typeface="Arial" panose="020B0604020202020204" pitchFamily="34" charset="0"/>
+                <a:ea typeface="Helvetica Neue"/>
+                <a:cs typeface="Arial" panose="020B0604020202020204" pitchFamily="34" charset="0"/>
+                <a:sym typeface="Helvetica Neue"/>
+              </a:rPr>
+              <a:t>288 participants (141F) recruited through Prolific from another previous experiment in our lab completed the study on Qualtrics</a:t>
+            </a:r>
           </a:p>
           <a:p>
             <a:pPr marL="457200" indent="-457200" fontAlgn="base">
               <a:buFont typeface="Arial" panose="020B0604020202020204" pitchFamily="34" charset="0"/>
               <a:buChar char="•"/>
             </a:pPr>
-            <a:endParaRPr lang="en-US" sz="3200" kern="1200" dirty="0">
-              <a:solidFill>
-                <a:schemeClr val="tx1"/>
-              </a:solidFill>
-              <a:latin typeface="Arial" panose="020B0604020202020204" pitchFamily="34" charset="0"/>
-              <a:ea typeface="Helvetica Neue"/>
-              <a:cs typeface="Arial" panose="020B0604020202020204" pitchFamily="34" charset="0"/>
-              <a:sym typeface="Helvetica Neue"/>
-            </a:endParaRPr>
+            <a:r>
+              <a:rPr lang="en-US" sz="3200" dirty="0">
+                <a:solidFill>
+                  <a:schemeClr val="dk1"/>
+                </a:solidFill>
+                <a:latin typeface="Arial" panose="020B0604020202020204" pitchFamily="34" charset="0"/>
+                <a:ea typeface="Helvetica Neue"/>
+                <a:cs typeface="Arial" panose="020B0604020202020204" pitchFamily="34" charset="0"/>
+                <a:sym typeface="Helvetica Neue"/>
+              </a:rPr>
+              <a:t>Survey included Questionnaire of Unpredictability in Childhood (QUIC; cite), the full Confusion, Hubbub, and Order Scale (CHAOS; cite), McLaughlin Deprivation &amp; Threat Scales (cite), the State/Trait Anxiety Inventory (STAI; cite), the Connor-Davidson Resilience Scale (CD-RISC-10; cite), the </a:t>
+            </a:r>
+            <a:r>
+              <a:rPr lang="en-US" sz="3200" dirty="0" err="1">
+                <a:solidFill>
+                  <a:schemeClr val="dk1"/>
+                </a:solidFill>
+                <a:latin typeface="Arial" panose="020B0604020202020204" pitchFamily="34" charset="0"/>
+                <a:ea typeface="Helvetica Neue"/>
+                <a:cs typeface="Arial" panose="020B0604020202020204" pitchFamily="34" charset="0"/>
+                <a:sym typeface="Helvetica Neue"/>
+              </a:rPr>
+              <a:t>Escapsim</a:t>
+            </a:r>
+            <a:r>
+              <a:rPr lang="en-US" sz="3200" dirty="0">
+                <a:solidFill>
+                  <a:schemeClr val="dk1"/>
+                </a:solidFill>
+                <a:latin typeface="Arial" panose="020B0604020202020204" pitchFamily="34" charset="0"/>
+                <a:ea typeface="Helvetica Neue"/>
+                <a:cs typeface="Arial" panose="020B0604020202020204" pitchFamily="34" charset="0"/>
+                <a:sym typeface="Helvetica Neue"/>
+              </a:rPr>
+              <a:t> Scale (cite) adapted for music, and the Absorption in Music Scale (cite)</a:t>
+            </a:r>
           </a:p>
           <a:p>
             <a:pPr marL="457200" indent="-457200" fontAlgn="base">
               <a:buFont typeface="Arial" panose="020B0604020202020204" pitchFamily="34" charset="0"/>
               <a:buChar char="•"/>
             </a:pPr>
-            <a:endParaRPr lang="en-US" sz="3200" kern="1200" dirty="0">
-              <a:solidFill>
-                <a:schemeClr val="tx1"/>
-              </a:solidFill>
-              <a:latin typeface="Arial" panose="020B0604020202020204" pitchFamily="34" charset="0"/>
-              <a:ea typeface="Helvetica Neue"/>
-              <a:cs typeface="Arial" panose="020B0604020202020204" pitchFamily="34" charset="0"/>
-              <a:sym typeface="Helvetica Neue"/>
-            </a:endParaRPr>
-          </a:p>
-          <a:p>
-            <a:pPr fontAlgn="base"/>
-            <a:endParaRPr lang="en-US" sz="3200" dirty="0">
-              <a:solidFill>
-                <a:schemeClr val="dk1"/>
-              </a:solidFill>
-              <a:latin typeface="Arial" panose="020B0604020202020204" pitchFamily="34" charset="0"/>
-              <a:ea typeface="Helvetica Neue"/>
-              <a:cs typeface="Arial" panose="020B0604020202020204" pitchFamily="34" charset="0"/>
-              <a:sym typeface="Helvetica Neue"/>
-            </a:endParaRPr>
-          </a:p>
-          <a:p>
-            <a:pPr fontAlgn="base"/>
-            <a:endParaRPr lang="en-US" sz="3200" dirty="0">
-              <a:solidFill>
-                <a:schemeClr val="dk1"/>
-              </a:solidFill>
-              <a:latin typeface="Arial" panose="020B0604020202020204" pitchFamily="34" charset="0"/>
-              <a:ea typeface="Helvetica Neue"/>
-              <a:cs typeface="Arial" panose="020B0604020202020204" pitchFamily="34" charset="0"/>
-              <a:sym typeface="Helvetica Neue"/>
-            </a:endParaRPr>
-          </a:p>
-          <a:p>
-            <a:pPr fontAlgn="base"/>
-            <a:endParaRPr lang="en-US" sz="3200" dirty="0">
-              <a:solidFill>
-                <a:schemeClr val="dk1"/>
-              </a:solidFill>
-              <a:latin typeface="Arial" panose="020B0604020202020204" pitchFamily="34" charset="0"/>
-              <a:ea typeface="Helvetica Neue"/>
-              <a:cs typeface="Arial" panose="020B0604020202020204" pitchFamily="34" charset="0"/>
-              <a:sym typeface="Helvetica Neue"/>
-            </a:endParaRPr>
-          </a:p>
-          <a:p>
-            <a:pPr fontAlgn="base"/>
-            <a:endParaRPr lang="en-US" sz="3200" dirty="0">
-              <a:solidFill>
-                <a:schemeClr val="dk1"/>
-              </a:solidFill>
-              <a:latin typeface="Arial" panose="020B0604020202020204" pitchFamily="34" charset="0"/>
-              <a:ea typeface="Helvetica Neue"/>
-              <a:cs typeface="Arial" panose="020B0604020202020204" pitchFamily="34" charset="0"/>
-              <a:sym typeface="Helvetica Neue"/>
-            </a:endParaRPr>
-          </a:p>
-          <a:p>
-            <a:pPr fontAlgn="base"/>
-            <a:endParaRPr lang="en-US" sz="3200" dirty="0">
-              <a:solidFill>
-                <a:schemeClr val="dk1"/>
-              </a:solidFill>
-              <a:latin typeface="Arial" panose="020B0604020202020204" pitchFamily="34" charset="0"/>
-              <a:ea typeface="Helvetica Neue"/>
-              <a:cs typeface="Arial" panose="020B0604020202020204" pitchFamily="34" charset="0"/>
-              <a:sym typeface="Helvetica Neue"/>
-            </a:endParaRPr>
+            <a:r>
+              <a:rPr lang="en-US" sz="3200" dirty="0">
+                <a:solidFill>
+                  <a:schemeClr val="dk1"/>
+                </a:solidFill>
+                <a:latin typeface="Arial" panose="020B0604020202020204" pitchFamily="34" charset="0"/>
+                <a:ea typeface="Helvetica Neue"/>
+                <a:cs typeface="Arial" panose="020B0604020202020204" pitchFamily="34" charset="0"/>
+                <a:sym typeface="Helvetica Neue"/>
+              </a:rPr>
+              <a:t>Participants also completed the Barcelona Music Reward Questionnaire (BMRQ; cite) and the Revised Physical Anhedonia Scale (PAS, cite) in the previous study</a:t>
+            </a:r>
           </a:p>
           <a:p>
             <a:pPr marL="457200" indent="-457200" fontAlgn="base">
               <a:buFont typeface="Arial" panose="020B0604020202020204" pitchFamily="34" charset="0"/>
               <a:buChar char="•"/>
             </a:pPr>
-            <a:endParaRPr lang="en-US" sz="3200" dirty="0">
-              <a:solidFill>
-                <a:schemeClr val="dk1"/>
-              </a:solidFill>
-              <a:latin typeface="Arial" panose="020B0604020202020204" pitchFamily="34" charset="0"/>
-              <a:ea typeface="Helvetica Neue"/>
-              <a:cs typeface="Arial" panose="020B0604020202020204" pitchFamily="34" charset="0"/>
-              <a:sym typeface="Helvetica Neue"/>
-            </a:endParaRPr>
-          </a:p>
-          <a:p>
-            <a:pPr marL="457200" indent="-457200" fontAlgn="base">
-              <a:buFont typeface="Arial" panose="020B0604020202020204" pitchFamily="34" charset="0"/>
-              <a:buChar char="•"/>
-            </a:pPr>
-            <a:endParaRPr lang="en-US" sz="3200" dirty="0">
-              <a:solidFill>
-                <a:schemeClr val="dk1"/>
-              </a:solidFill>
-              <a:latin typeface="Arial" panose="020B0604020202020204" pitchFamily="34" charset="0"/>
-              <a:ea typeface="Helvetica Neue"/>
-              <a:cs typeface="Arial" panose="020B0604020202020204" pitchFamily="34" charset="0"/>
-              <a:sym typeface="Helvetica Neue"/>
-            </a:endParaRPr>
-          </a:p>
-          <a:p>
-            <a:pPr fontAlgn="base"/>
-            <a:endParaRPr lang="en-US" sz="3200" dirty="0">
-              <a:solidFill>
-                <a:schemeClr val="dk1"/>
-              </a:solidFill>
-              <a:latin typeface="Arial" panose="020B0604020202020204" pitchFamily="34" charset="0"/>
-              <a:ea typeface="Helvetica Neue"/>
-              <a:cs typeface="Arial" panose="020B0604020202020204" pitchFamily="34" charset="0"/>
-              <a:sym typeface="Helvetica Neue"/>
-            </a:endParaRPr>
-          </a:p>
-          <a:p>
-            <a:pPr marL="457200" indent="-457200" fontAlgn="base">
-              <a:buFont typeface="Arial" panose="020B0604020202020204" pitchFamily="34" charset="0"/>
-              <a:buChar char="•"/>
-            </a:pPr>
-            <a:endParaRPr lang="en-US" sz="3200" dirty="0">
-              <a:solidFill>
-                <a:schemeClr val="dk1"/>
-              </a:solidFill>
-              <a:latin typeface="Arial" panose="020B0604020202020204" pitchFamily="34" charset="0"/>
-              <a:ea typeface="Helvetica Neue"/>
-              <a:cs typeface="Arial" panose="020B0604020202020204" pitchFamily="34" charset="0"/>
-              <a:sym typeface="Helvetica Neue"/>
-            </a:endParaRPr>
-          </a:p>
-          <a:p>
-            <a:pPr marL="457200" indent="-457200" fontAlgn="base">
-              <a:buFont typeface="Arial" panose="020B0604020202020204" pitchFamily="34" charset="0"/>
-              <a:buChar char="•"/>
-            </a:pPr>
-            <a:endParaRPr lang="en-US" sz="3200" dirty="0">
-              <a:solidFill>
-                <a:schemeClr val="dk1"/>
-              </a:solidFill>
-              <a:latin typeface="Arial" panose="020B0604020202020204" pitchFamily="34" charset="0"/>
-              <a:ea typeface="Helvetica Neue"/>
-              <a:cs typeface="Arial" panose="020B0604020202020204" pitchFamily="34" charset="0"/>
-              <a:sym typeface="Helvetica Neue"/>
-            </a:endParaRPr>
-          </a:p>
-          <a:p>
-            <a:pPr fontAlgn="base"/>
             <a:endParaRPr lang="en-US" sz="3200" dirty="0">
               <a:solidFill>
                 <a:schemeClr val="dk1"/>
@@ -10090,7 +10159,7 @@
         </p:blipFill>
         <p:spPr>
           <a:xfrm>
-            <a:off x="1180578" y="1177446"/>
+            <a:off x="2837767" y="1109706"/>
             <a:ext cx="3314379" cy="3072487"/>
           </a:xfrm>
           <a:prstGeom prst="rect">
@@ -10448,7 +10517,307 @@
                 <a:cs typeface="Arial" panose="020B0604020202020204" pitchFamily="34" charset="0"/>
                 <a:sym typeface="Helvetica Neue"/>
               </a:rPr>
-              <a:t>connection</a:t>
+              <a:t>Connection</a:t>
+            </a:r>
+          </a:p>
+          <a:p>
+            <a:pPr fontAlgn="base"/>
+            <a:endParaRPr lang="en-US" sz="3200" dirty="0">
+              <a:solidFill>
+                <a:schemeClr val="dk1"/>
+              </a:solidFill>
+              <a:latin typeface="Arial" panose="020B0604020202020204" pitchFamily="34" charset="0"/>
+              <a:ea typeface="Helvetica Neue"/>
+              <a:cs typeface="Arial" panose="020B0604020202020204" pitchFamily="34" charset="0"/>
+              <a:sym typeface="Helvetica Neue"/>
+            </a:endParaRPr>
+          </a:p>
+          <a:p>
+            <a:pPr fontAlgn="base"/>
+            <a:endParaRPr lang="en-US" sz="3200" dirty="0">
+              <a:solidFill>
+                <a:schemeClr val="dk1"/>
+              </a:solidFill>
+              <a:latin typeface="Arial" panose="020B0604020202020204" pitchFamily="34" charset="0"/>
+              <a:ea typeface="Helvetica Neue"/>
+              <a:cs typeface="Arial" panose="020B0604020202020204" pitchFamily="34" charset="0"/>
+              <a:sym typeface="Helvetica Neue"/>
+            </a:endParaRPr>
+          </a:p>
+          <a:p>
+            <a:pPr fontAlgn="base"/>
+            <a:endParaRPr lang="en-US" sz="3200" dirty="0">
+              <a:solidFill>
+                <a:schemeClr val="dk1"/>
+              </a:solidFill>
+              <a:latin typeface="Arial" panose="020B0604020202020204" pitchFamily="34" charset="0"/>
+              <a:ea typeface="Helvetica Neue"/>
+              <a:cs typeface="Arial" panose="020B0604020202020204" pitchFamily="34" charset="0"/>
+              <a:sym typeface="Helvetica Neue"/>
+            </a:endParaRPr>
+          </a:p>
+          <a:p>
+            <a:pPr fontAlgn="base"/>
+            <a:endParaRPr lang="en-US" sz="3200" dirty="0">
+              <a:solidFill>
+                <a:schemeClr val="dk1"/>
+              </a:solidFill>
+              <a:latin typeface="Arial" panose="020B0604020202020204" pitchFamily="34" charset="0"/>
+              <a:ea typeface="Helvetica Neue"/>
+              <a:cs typeface="Arial" panose="020B0604020202020204" pitchFamily="34" charset="0"/>
+              <a:sym typeface="Helvetica Neue"/>
+            </a:endParaRPr>
+          </a:p>
+          <a:p>
+            <a:pPr fontAlgn="base"/>
+            <a:endParaRPr lang="en-US" sz="3200" dirty="0">
+              <a:solidFill>
+                <a:schemeClr val="dk1"/>
+              </a:solidFill>
+              <a:latin typeface="Arial" panose="020B0604020202020204" pitchFamily="34" charset="0"/>
+              <a:ea typeface="Helvetica Neue"/>
+              <a:cs typeface="Arial" panose="020B0604020202020204" pitchFamily="34" charset="0"/>
+              <a:sym typeface="Helvetica Neue"/>
+            </a:endParaRPr>
+          </a:p>
+          <a:p>
+            <a:pPr fontAlgn="base"/>
+            <a:endParaRPr lang="en-US" sz="3200" dirty="0">
+              <a:solidFill>
+                <a:schemeClr val="dk1"/>
+              </a:solidFill>
+              <a:latin typeface="Arial" panose="020B0604020202020204" pitchFamily="34" charset="0"/>
+              <a:ea typeface="Helvetica Neue"/>
+              <a:cs typeface="Arial" panose="020B0604020202020204" pitchFamily="34" charset="0"/>
+              <a:sym typeface="Helvetica Neue"/>
+            </a:endParaRPr>
+          </a:p>
+          <a:p>
+            <a:pPr fontAlgn="base"/>
+            <a:endParaRPr lang="en-US" sz="3200" dirty="0">
+              <a:solidFill>
+                <a:schemeClr val="dk1"/>
+              </a:solidFill>
+              <a:latin typeface="Arial" panose="020B0604020202020204" pitchFamily="34" charset="0"/>
+              <a:ea typeface="Helvetica Neue"/>
+              <a:cs typeface="Arial" panose="020B0604020202020204" pitchFamily="34" charset="0"/>
+              <a:sym typeface="Helvetica Neue"/>
+            </a:endParaRPr>
+          </a:p>
+          <a:p>
+            <a:pPr fontAlgn="base"/>
+            <a:endParaRPr lang="en-US" sz="3200" dirty="0">
+              <a:solidFill>
+                <a:schemeClr val="dk1"/>
+              </a:solidFill>
+              <a:latin typeface="Arial" panose="020B0604020202020204" pitchFamily="34" charset="0"/>
+              <a:ea typeface="Helvetica Neue"/>
+              <a:cs typeface="Arial" panose="020B0604020202020204" pitchFamily="34" charset="0"/>
+              <a:sym typeface="Helvetica Neue"/>
+            </a:endParaRPr>
+          </a:p>
+          <a:p>
+            <a:pPr fontAlgn="base"/>
+            <a:endParaRPr lang="en-US" sz="3200" dirty="0">
+              <a:solidFill>
+                <a:schemeClr val="dk1"/>
+              </a:solidFill>
+              <a:latin typeface="Arial" panose="020B0604020202020204" pitchFamily="34" charset="0"/>
+              <a:ea typeface="Helvetica Neue"/>
+              <a:cs typeface="Arial" panose="020B0604020202020204" pitchFamily="34" charset="0"/>
+              <a:sym typeface="Helvetica Neue"/>
+            </a:endParaRPr>
+          </a:p>
+          <a:p>
+            <a:pPr fontAlgn="base"/>
+            <a:endParaRPr lang="en-US" sz="3200" dirty="0">
+              <a:solidFill>
+                <a:schemeClr val="dk1"/>
+              </a:solidFill>
+              <a:latin typeface="Arial" panose="020B0604020202020204" pitchFamily="34" charset="0"/>
+              <a:ea typeface="Helvetica Neue"/>
+              <a:cs typeface="Arial" panose="020B0604020202020204" pitchFamily="34" charset="0"/>
+              <a:sym typeface="Helvetica Neue"/>
+            </a:endParaRPr>
+          </a:p>
+          <a:p>
+            <a:pPr fontAlgn="base"/>
+            <a:endParaRPr lang="en-US" sz="3200" dirty="0">
+              <a:solidFill>
+                <a:schemeClr val="dk1"/>
+              </a:solidFill>
+              <a:latin typeface="Arial" panose="020B0604020202020204" pitchFamily="34" charset="0"/>
+              <a:ea typeface="Helvetica Neue"/>
+              <a:cs typeface="Arial" panose="020B0604020202020204" pitchFamily="34" charset="0"/>
+              <a:sym typeface="Helvetica Neue"/>
+            </a:endParaRPr>
+          </a:p>
+          <a:p>
+            <a:pPr fontAlgn="base"/>
+            <a:endParaRPr lang="en-US" sz="3200" dirty="0">
+              <a:solidFill>
+                <a:schemeClr val="dk1"/>
+              </a:solidFill>
+              <a:latin typeface="Arial" panose="020B0604020202020204" pitchFamily="34" charset="0"/>
+              <a:ea typeface="Helvetica Neue"/>
+              <a:cs typeface="Arial" panose="020B0604020202020204" pitchFamily="34" charset="0"/>
+              <a:sym typeface="Helvetica Neue"/>
+            </a:endParaRPr>
+          </a:p>
+          <a:p>
+            <a:pPr fontAlgn="base"/>
+            <a:endParaRPr lang="en-US" sz="3200" dirty="0">
+              <a:solidFill>
+                <a:schemeClr val="dk1"/>
+              </a:solidFill>
+              <a:latin typeface="Arial" panose="020B0604020202020204" pitchFamily="34" charset="0"/>
+              <a:ea typeface="Helvetica Neue"/>
+              <a:cs typeface="Arial" panose="020B0604020202020204" pitchFamily="34" charset="0"/>
+              <a:sym typeface="Helvetica Neue"/>
+            </a:endParaRPr>
+          </a:p>
+          <a:p>
+            <a:pPr fontAlgn="base"/>
+            <a:endParaRPr lang="en-US" sz="3200" dirty="0">
+              <a:solidFill>
+                <a:schemeClr val="dk1"/>
+              </a:solidFill>
+              <a:latin typeface="Arial" panose="020B0604020202020204" pitchFamily="34" charset="0"/>
+              <a:ea typeface="Helvetica Neue"/>
+              <a:cs typeface="Arial" panose="020B0604020202020204" pitchFamily="34" charset="0"/>
+              <a:sym typeface="Helvetica Neue"/>
+            </a:endParaRPr>
+          </a:p>
+          <a:p>
+            <a:pPr fontAlgn="base"/>
+            <a:endParaRPr lang="en-US" sz="3200" dirty="0">
+              <a:solidFill>
+                <a:schemeClr val="dk1"/>
+              </a:solidFill>
+              <a:latin typeface="Arial" panose="020B0604020202020204" pitchFamily="34" charset="0"/>
+              <a:ea typeface="Helvetica Neue"/>
+              <a:cs typeface="Arial" panose="020B0604020202020204" pitchFamily="34" charset="0"/>
+              <a:sym typeface="Helvetica Neue"/>
+            </a:endParaRPr>
+          </a:p>
+          <a:p>
+            <a:pPr fontAlgn="base"/>
+            <a:endParaRPr lang="en-US" sz="3200" dirty="0">
+              <a:solidFill>
+                <a:schemeClr val="dk1"/>
+              </a:solidFill>
+              <a:latin typeface="Arial" panose="020B0604020202020204" pitchFamily="34" charset="0"/>
+              <a:ea typeface="Helvetica Neue"/>
+              <a:cs typeface="Arial" panose="020B0604020202020204" pitchFamily="34" charset="0"/>
+              <a:sym typeface="Helvetica Neue"/>
+            </a:endParaRPr>
+          </a:p>
+          <a:p>
+            <a:pPr fontAlgn="base"/>
+            <a:endParaRPr lang="en-US" sz="3200" dirty="0">
+              <a:solidFill>
+                <a:schemeClr val="dk1"/>
+              </a:solidFill>
+              <a:latin typeface="Arial" panose="020B0604020202020204" pitchFamily="34" charset="0"/>
+              <a:ea typeface="Helvetica Neue"/>
+              <a:cs typeface="Arial" panose="020B0604020202020204" pitchFamily="34" charset="0"/>
+              <a:sym typeface="Helvetica Neue"/>
+            </a:endParaRPr>
+          </a:p>
+          <a:p>
+            <a:pPr marL="457200" indent="-457200" fontAlgn="base">
+              <a:buFont typeface="Arial" panose="020B0604020202020204" pitchFamily="34" charset="0"/>
+              <a:buChar char="•"/>
+            </a:pPr>
+            <a:r>
+              <a:rPr lang="en-US" sz="3200" dirty="0">
+                <a:solidFill>
+                  <a:schemeClr val="dk1"/>
+                </a:solidFill>
+                <a:latin typeface="Arial" panose="020B0604020202020204" pitchFamily="34" charset="0"/>
+                <a:ea typeface="Helvetica Neue"/>
+                <a:cs typeface="Arial" panose="020B0604020202020204" pitchFamily="34" charset="0"/>
+                <a:sym typeface="Helvetica Neue"/>
+              </a:rPr>
+              <a:t>254 participants (140F) recruited through Prolific from a previous experiment in our lab completed the study on Qualtrics</a:t>
+            </a:r>
+          </a:p>
+          <a:p>
+            <a:pPr marL="457200" indent="-457200" fontAlgn="base">
+              <a:buFont typeface="Arial" panose="020B0604020202020204" pitchFamily="34" charset="0"/>
+              <a:buChar char="•"/>
+            </a:pPr>
+            <a:r>
+              <a:rPr lang="en-US" sz="3200" dirty="0">
+                <a:solidFill>
+                  <a:schemeClr val="dk1"/>
+                </a:solidFill>
+                <a:latin typeface="Arial" panose="020B0604020202020204" pitchFamily="34" charset="0"/>
+                <a:ea typeface="Helvetica Neue"/>
+                <a:cs typeface="Arial" panose="020B0604020202020204" pitchFamily="34" charset="0"/>
+                <a:sym typeface="Helvetica Neue"/>
+              </a:rPr>
+              <a:t>Survey included Questionnaire of Unpredictability in Childhood (QUIC; cite), the short-form Confusion, Hubbub, and Order Scale (CHAOS; cite), McLaughlin Deprivation &amp; Threat Scales (cite), Healthy-Unhealthy Music Scale (HUMS; cite), the State/Trait Anxiety Inventory (STAI; cite), the Connor-Davidson Resilience Scale (CD-RISC-10; cite)</a:t>
+            </a:r>
+          </a:p>
+          <a:p>
+            <a:pPr marL="457200" indent="-457200" fontAlgn="base">
+              <a:buFont typeface="Arial" panose="020B0604020202020204" pitchFamily="34" charset="0"/>
+              <a:buChar char="•"/>
+            </a:pPr>
+            <a:r>
+              <a:rPr lang="en-US" sz="3200" dirty="0">
+                <a:solidFill>
+                  <a:schemeClr val="dk1"/>
+                </a:solidFill>
+                <a:latin typeface="Arial" panose="020B0604020202020204" pitchFamily="34" charset="0"/>
+                <a:ea typeface="Helvetica Neue"/>
+                <a:cs typeface="Arial" panose="020B0604020202020204" pitchFamily="34" charset="0"/>
+                <a:sym typeface="Helvetica Neue"/>
+              </a:rPr>
+              <a:t>All retrospective adversity measures were reported for both childhood (6-12) and adolescence (13-18)</a:t>
+            </a:r>
+          </a:p>
+          <a:p>
+            <a:pPr marL="457200" indent="-457200" fontAlgn="base">
+              <a:buFont typeface="Arial" panose="020B0604020202020204" pitchFamily="34" charset="0"/>
+              <a:buChar char="•"/>
+            </a:pPr>
+            <a:r>
+              <a:rPr lang="en-US" sz="3200" dirty="0">
+                <a:solidFill>
+                  <a:schemeClr val="dk1"/>
+                </a:solidFill>
+                <a:latin typeface="Arial" panose="020B0604020202020204" pitchFamily="34" charset="0"/>
+                <a:ea typeface="Helvetica Neue"/>
+                <a:cs typeface="Arial" panose="020B0604020202020204" pitchFamily="34" charset="0"/>
+                <a:sym typeface="Helvetica Neue"/>
+              </a:rPr>
+              <a:t>Participants also completed the Extended Barcelona Music Reward Questionnaire (</a:t>
+            </a:r>
+            <a:r>
+              <a:rPr lang="en-US" sz="3200" dirty="0" err="1">
+                <a:solidFill>
+                  <a:schemeClr val="dk1"/>
+                </a:solidFill>
+                <a:latin typeface="Arial" panose="020B0604020202020204" pitchFamily="34" charset="0"/>
+                <a:ea typeface="Helvetica Neue"/>
+                <a:cs typeface="Arial" panose="020B0604020202020204" pitchFamily="34" charset="0"/>
+                <a:sym typeface="Helvetica Neue"/>
+              </a:rPr>
+              <a:t>eBMRQ</a:t>
+            </a:r>
+            <a:r>
+              <a:rPr lang="en-US" sz="3200" dirty="0">
+                <a:solidFill>
+                  <a:schemeClr val="dk1"/>
+                </a:solidFill>
+                <a:latin typeface="Arial" panose="020B0604020202020204" pitchFamily="34" charset="0"/>
+                <a:ea typeface="Helvetica Neue"/>
+                <a:cs typeface="Arial" panose="020B0604020202020204" pitchFamily="34" charset="0"/>
+                <a:sym typeface="Helvetica Neue"/>
+              </a:rPr>
+              <a:t>; cite) and the Revised Physical Anhedonia Scale (PAS, cite) in the previous study</a:t>
             </a:r>
           </a:p>
         </p:txBody>
@@ -10511,7 +10880,7 @@
                 <a:cs typeface="Arial" panose="020B0604020202020204" pitchFamily="34" charset="0"/>
                 <a:sym typeface="Helvetica Neue"/>
               </a:rPr>
-              <a:t>AIMS mediates the relationship between ELA and resilience</a:t>
+              <a:t>AIMS mediates the relationship between CHAOS scores and resilience</a:t>
             </a:r>
             <a:endParaRPr lang="en-US" sz="5200" dirty="0">
               <a:latin typeface="Arial" panose="020B0604020202020204" pitchFamily="34" charset="0"/>
@@ -10534,7 +10903,7 @@
         </p:nvSpPr>
         <p:spPr>
           <a:xfrm>
-            <a:off x="615199" y="20346843"/>
+            <a:off x="616765" y="17113420"/>
             <a:ext cx="13877365" cy="1289304"/>
           </a:xfrm>
           <a:prstGeom prst="rect">
@@ -10807,36 +11176,6 @@
           </a:p>
         </p:txBody>
       </p:sp>
-      <p:pic>
-        <p:nvPicPr>
-          <p:cNvPr id="60" name="Picture 59">
-            <a:extLst>
-              <a:ext uri="{FF2B5EF4-FFF2-40B4-BE49-F238E27FC236}">
-                <a16:creationId xmlns:a16="http://schemas.microsoft.com/office/drawing/2014/main" id="{F2967E42-D2B4-FF4B-903D-2BAD6084EA8C}"/>
-              </a:ext>
-            </a:extLst>
-          </p:cNvPr>
-          <p:cNvPicPr>
-            <a:picLocks noChangeAspect="1"/>
-          </p:cNvPicPr>
-          <p:nvPr/>
-        </p:nvPicPr>
-        <p:blipFill>
-          <a:blip r:embed="rId7"/>
-          <a:stretch>
-            <a:fillRect/>
-          </a:stretch>
-        </p:blipFill>
-        <p:spPr>
-          <a:xfrm>
-            <a:off x="39075199" y="37815609"/>
-            <a:ext cx="642088" cy="642088"/>
-          </a:xfrm>
-          <a:prstGeom prst="rect">
-            <a:avLst/>
-          </a:prstGeom>
-        </p:spPr>
-      </p:pic>
       <p:sp>
         <p:nvSpPr>
           <p:cNvPr id="61" name="TextBox 60">
@@ -10995,7 +11334,7 @@
                 <a:cs typeface="Arial" panose="020B0604020202020204" pitchFamily="34" charset="0"/>
                 <a:sym typeface="Helvetica Neue"/>
               </a:rPr>
-              <a:t>Absorption in music significantly related to positive and negative escapism (and ELA)</a:t>
+              <a:t>Absorption in music significantly related to positive and negative escapism (or just escapism?)</a:t>
             </a:r>
             <a:endParaRPr lang="en-US" sz="5200" dirty="0">
               <a:latin typeface="Arial" panose="020B0604020202020204" pitchFamily="34" charset="0"/>
@@ -11019,7 +11358,7 @@
           <p:nvPr/>
         </p:nvPicPr>
         <p:blipFill>
-          <a:blip r:embed="rId8">
+          <a:blip r:embed="rId7">
             <a:extLst>
               <a:ext uri="{28A0092B-C50C-407E-A947-70E740481C1C}">
                 <a14:useLocalDpi xmlns:a14="http://schemas.microsoft.com/office/drawing/2010/main" val="0"/>
@@ -11053,36 +11392,6 @@
       </p:pic>
       <p:pic>
         <p:nvPicPr>
-          <p:cNvPr id="32" name="Picture 31" descr="Qr code&#10;&#10;Description automatically generated">
-            <a:extLst>
-              <a:ext uri="{FF2B5EF4-FFF2-40B4-BE49-F238E27FC236}">
-                <a16:creationId xmlns:a16="http://schemas.microsoft.com/office/drawing/2014/main" id="{EAAF230A-933D-E543-33D0-AA6499BA5724}"/>
-              </a:ext>
-            </a:extLst>
-          </p:cNvPr>
-          <p:cNvPicPr>
-            <a:picLocks noChangeAspect="1"/>
-          </p:cNvPicPr>
-          <p:nvPr/>
-        </p:nvPicPr>
-        <p:blipFill>
-          <a:blip r:embed="rId9"/>
-          <a:stretch>
-            <a:fillRect/>
-          </a:stretch>
-        </p:blipFill>
-        <p:spPr>
-          <a:xfrm>
-            <a:off x="43083031" y="37751681"/>
-            <a:ext cx="653118" cy="653118"/>
-          </a:xfrm>
-          <a:prstGeom prst="rect">
-            <a:avLst/>
-          </a:prstGeom>
-        </p:spPr>
-      </p:pic>
-      <p:pic>
-        <p:nvPicPr>
           <p:cNvPr id="5" name="Picture 4" descr="A picture containing text, graphics, graphic design, clipart&#10;&#10;Description automatically generated">
             <a:extLst>
               <a:ext uri="{FF2B5EF4-FFF2-40B4-BE49-F238E27FC236}">
@@ -11096,7 +11405,7 @@
           <p:nvPr/>
         </p:nvPicPr>
         <p:blipFill>
-          <a:blip r:embed="rId10"/>
+          <a:blip r:embed="rId8"/>
           <a:stretch>
             <a:fillRect/>
           </a:stretch>
@@ -11195,7 +11504,7 @@
         </p:nvSpPr>
         <p:spPr>
           <a:xfrm>
-            <a:off x="14688964" y="15759174"/>
+            <a:off x="14688964" y="15616043"/>
             <a:ext cx="13880592" cy="1287418"/>
           </a:xfrm>
           <a:prstGeom prst="rect">
@@ -11263,7 +11572,7 @@
           <p:nvPr/>
         </p:nvPicPr>
         <p:blipFill>
-          <a:blip r:embed="rId11"/>
+          <a:blip r:embed="rId9"/>
           <a:stretch>
             <a:fillRect/>
           </a:stretch>
@@ -11293,7 +11602,7 @@
           <p:nvPr/>
         </p:nvPicPr>
         <p:blipFill>
-          <a:blip r:embed="rId12"/>
+          <a:blip r:embed="rId10"/>
           <a:stretch>
             <a:fillRect/>
           </a:stretch>
@@ -11323,7 +11632,7 @@
           <p:nvPr/>
         </p:nvPicPr>
         <p:blipFill>
-          <a:blip r:embed="rId13"/>
+          <a:blip r:embed="rId11"/>
           <a:stretch>
             <a:fillRect/>
           </a:stretch>
@@ -11353,7 +11662,7 @@
           <p:nvPr/>
         </p:nvPicPr>
         <p:blipFill>
-          <a:blip r:embed="rId14"/>
+          <a:blip r:embed="rId12"/>
           <a:stretch>
             <a:fillRect/>
           </a:stretch>
@@ -11383,7 +11692,7 @@
           <p:nvPr/>
         </p:nvPicPr>
         <p:blipFill>
-          <a:blip r:embed="rId15"/>
+          <a:blip r:embed="rId13"/>
           <a:stretch>
             <a:fillRect/>
           </a:stretch>

--- a/presentations/ISDP_template.pptx
+++ b/presentations/ISDP_template.pptx
@@ -262,7 +262,7 @@
       <p15:sldGuideLst xmlns:p15="http://schemas.microsoft.com/office/powerpoint/2012/main"/>
     </p:ext>
     <p:ext uri="http://customooxmlschemas.google.com/">
-      <go:slidesCustomData xmlns="" xmlns:mc="http://schemas.openxmlformats.org/markup-compatibility/2006" xmlns:mv="urn:schemas-microsoft-com:mac:vml" xmlns:c="http://schemas.openxmlformats.org/drawingml/2006/chart" xmlns:dgm="http://schemas.openxmlformats.org/drawingml/2006/diagram" xmlns:o="urn:schemas-microsoft-com:office:office" xmlns:v="urn:schemas-microsoft-com:vml" xmlns:pvml="urn:schemas-microsoft-com:office:powerpoint" xmlns:com="http://schemas.openxmlformats.org/drawingml/2006/compatibility" xmlns:p14="http://schemas.microsoft.com/office/powerpoint/2010/main" xmlns:p15="http://schemas.microsoft.com/office/powerpoint/2012/main" xmlns:ahyp="http://schemas.microsoft.com/office/drawing/2018/hyperlinkcolor" xmlns:go="http://customooxmlschemas.google.com/" r:id="rId12" roundtripDataSignature="AMtx7mgUZ/EanI988gELEzf8evnhnh3MyA=="/>
+      <go:slidesCustomData xmlns:go="http://customooxmlschemas.google.com/" xmlns:ahyp="http://schemas.microsoft.com/office/drawing/2018/hyperlinkcolor" xmlns:p15="http://schemas.microsoft.com/office/powerpoint/2012/main" xmlns:p14="http://schemas.microsoft.com/office/powerpoint/2010/main" xmlns:com="http://schemas.openxmlformats.org/drawingml/2006/compatibility" xmlns:pvml="urn:schemas-microsoft-com:office:powerpoint" xmlns:v="urn:schemas-microsoft-com:vml" xmlns:o="urn:schemas-microsoft-com:office:office" xmlns:dgm="http://schemas.openxmlformats.org/drawingml/2006/diagram" xmlns:c="http://schemas.openxmlformats.org/drawingml/2006/chart" xmlns:mv="urn:schemas-microsoft-com:mac:vml" xmlns:mc="http://schemas.openxmlformats.org/markup-compatibility/2006" xmlns="" r:id="rId12" roundtripDataSignature="AMtx7mgUZ/EanI988gELEzf8evnhnh3MyA=="/>
     </p:ext>
   </p:extLst>
 </p:presentation>
@@ -10880,7 +10880,7 @@
                 <a:cs typeface="Arial" panose="020B0604020202020204" pitchFamily="34" charset="0"/>
                 <a:sym typeface="Helvetica Neue"/>
               </a:rPr>
-              <a:t>AIMS mediates the relationship between CHAOS scores and resilience</a:t>
+              <a:t>AIMS mediates the relationship between CHAOS scores and resilience (add escapism)</a:t>
             </a:r>
             <a:endParaRPr lang="en-US" sz="5200" dirty="0">
               <a:latin typeface="Arial" panose="020B0604020202020204" pitchFamily="34" charset="0"/>
@@ -11334,7 +11334,7 @@
                 <a:cs typeface="Arial" panose="020B0604020202020204" pitchFamily="34" charset="0"/>
                 <a:sym typeface="Helvetica Neue"/>
               </a:rPr>
-              <a:t>Absorption in music significantly related to positive and negative escapism (or just escapism?)</a:t>
+              <a:t>Absorption in music significantly related to escapism (replication)</a:t>
             </a:r>
             <a:endParaRPr lang="en-US" sz="5200" dirty="0">
               <a:latin typeface="Arial" panose="020B0604020202020204" pitchFamily="34" charset="0"/>
